--- a/journalWallFriction/pictures/pdf/differentNumSides copy.pptx
+++ b/journalWallFriction/pictures/pdf/differentNumSides copy.pptx
@@ -2,12 +2,12 @@
 <file path=ppt/presentation.xml><?xml version="1.0" encoding="utf-8"?>
 <p:presentation xmlns:a="http://schemas.openxmlformats.org/drawingml/2006/main" xmlns:r="http://schemas.openxmlformats.org/officeDocument/2006/relationships" xmlns:p="http://schemas.openxmlformats.org/presentationml/2006/main" saveSubsetFonts="1" autoCompressPictures="0">
   <p:sldMasterIdLst>
-    <p:sldMasterId id="2147483696" r:id="rId1"/>
+    <p:sldMasterId id="2147483720" r:id="rId1"/>
   </p:sldMasterIdLst>
   <p:sldIdLst>
     <p:sldId id="256" r:id="rId2"/>
   </p:sldIdLst>
-  <p:sldSz cx="4572000" cy="10972800"/>
+  <p:sldSz cx="4572000" cy="12801600"/>
   <p:notesSz cx="6858000" cy="9144000"/>
   <p:defaultTextStyle>
     <a:defPPr>
@@ -141,8 +141,8 @@
         </p:nvSpPr>
         <p:spPr>
           <a:xfrm>
-            <a:off x="342900" y="1795781"/>
-            <a:ext cx="3886200" cy="3820160"/>
+            <a:off x="342900" y="2095078"/>
+            <a:ext cx="3886200" cy="4456853"/>
           </a:xfrm>
         </p:spPr>
         <p:txBody>
@@ -173,8 +173,8 @@
         </p:nvSpPr>
         <p:spPr>
           <a:xfrm>
-            <a:off x="571500" y="5763261"/>
-            <a:ext cx="3429000" cy="2649219"/>
+            <a:off x="571500" y="6723804"/>
+            <a:ext cx="3429000" cy="3090756"/>
           </a:xfrm>
         </p:spPr>
         <p:txBody>
@@ -243,7 +243,7 @@
           <a:p>
             <a:fld id="{BD5E1F6D-FFA6-BC44-B9B8-BBE6A1110E96}" type="datetimeFigureOut">
               <a:rPr lang="en-US" smtClean="0"/>
-              <a:t>2/2/18</a:t>
+              <a:t>4/24/18</a:t>
             </a:fld>
             <a:endParaRPr lang="en-US"/>
           </a:p>
@@ -292,6 +292,11 @@
         </p:txBody>
       </p:sp>
     </p:spTree>
+    <p:extLst>
+      <p:ext uri="{BB962C8B-B14F-4D97-AF65-F5344CB8AC3E}">
+        <p14:creationId xmlns:p14="http://schemas.microsoft.com/office/powerpoint/2010/main" val="897397458"/>
+      </p:ext>
+    </p:extLst>
   </p:cSld>
   <p:clrMapOvr>
     <a:masterClrMapping/>
@@ -357,7 +362,7 @@
             <a:pPr lvl="0"/>
             <a:r>
               <a:rPr lang="en-US"/>
-              <a:t>Click to edit Master text styles</a:t>
+              <a:t>Edit Master text styles</a:t>
             </a:r>
           </a:p>
           <a:p>
@@ -408,7 +413,7 @@
           <a:p>
             <a:fld id="{BD5E1F6D-FFA6-BC44-B9B8-BBE6A1110E96}" type="datetimeFigureOut">
               <a:rPr lang="en-US" smtClean="0"/>
-              <a:t>2/2/18</a:t>
+              <a:t>4/24/18</a:t>
             </a:fld>
             <a:endParaRPr lang="en-US"/>
           </a:p>
@@ -457,6 +462,11 @@
         </p:txBody>
       </p:sp>
     </p:spTree>
+    <p:extLst>
+      <p:ext uri="{BB962C8B-B14F-4D97-AF65-F5344CB8AC3E}">
+        <p14:creationId xmlns:p14="http://schemas.microsoft.com/office/powerpoint/2010/main" val="1286140574"/>
+      </p:ext>
+    </p:extLst>
   </p:cSld>
   <p:clrMapOvr>
     <a:masterClrMapping/>
@@ -493,8 +503,8 @@
         </p:nvSpPr>
         <p:spPr>
           <a:xfrm>
-            <a:off x="3271838" y="584200"/>
-            <a:ext cx="985838" cy="9298941"/>
+            <a:off x="3271838" y="681567"/>
+            <a:ext cx="985838" cy="10848764"/>
           </a:xfrm>
         </p:spPr>
         <p:txBody>
@@ -521,8 +531,8 @@
         </p:nvSpPr>
         <p:spPr>
           <a:xfrm>
-            <a:off x="314325" y="584200"/>
-            <a:ext cx="2900363" cy="9298941"/>
+            <a:off x="314325" y="681567"/>
+            <a:ext cx="2900363" cy="10848764"/>
           </a:xfrm>
         </p:spPr>
         <p:txBody>
@@ -532,7 +542,7 @@
             <a:pPr lvl="0"/>
             <a:r>
               <a:rPr lang="en-US"/>
-              <a:t>Click to edit Master text styles</a:t>
+              <a:t>Edit Master text styles</a:t>
             </a:r>
           </a:p>
           <a:p>
@@ -583,7 +593,7 @@
           <a:p>
             <a:fld id="{BD5E1F6D-FFA6-BC44-B9B8-BBE6A1110E96}" type="datetimeFigureOut">
               <a:rPr lang="en-US" smtClean="0"/>
-              <a:t>2/2/18</a:t>
+              <a:t>4/24/18</a:t>
             </a:fld>
             <a:endParaRPr lang="en-US"/>
           </a:p>
@@ -632,6 +642,11 @@
         </p:txBody>
       </p:sp>
     </p:spTree>
+    <p:extLst>
+      <p:ext uri="{BB962C8B-B14F-4D97-AF65-F5344CB8AC3E}">
+        <p14:creationId xmlns:p14="http://schemas.microsoft.com/office/powerpoint/2010/main" val="599556501"/>
+      </p:ext>
+    </p:extLst>
   </p:cSld>
   <p:clrMapOvr>
     <a:masterClrMapping/>
@@ -697,7 +712,7 @@
             <a:pPr lvl="0"/>
             <a:r>
               <a:rPr lang="en-US"/>
-              <a:t>Click to edit Master text styles</a:t>
+              <a:t>Edit Master text styles</a:t>
             </a:r>
           </a:p>
           <a:p>
@@ -748,7 +763,7 @@
           <a:p>
             <a:fld id="{BD5E1F6D-FFA6-BC44-B9B8-BBE6A1110E96}" type="datetimeFigureOut">
               <a:rPr lang="en-US" smtClean="0"/>
-              <a:t>2/2/18</a:t>
+              <a:t>4/24/18</a:t>
             </a:fld>
             <a:endParaRPr lang="en-US"/>
           </a:p>
@@ -797,6 +812,11 @@
         </p:txBody>
       </p:sp>
     </p:spTree>
+    <p:extLst>
+      <p:ext uri="{BB962C8B-B14F-4D97-AF65-F5344CB8AC3E}">
+        <p14:creationId xmlns:p14="http://schemas.microsoft.com/office/powerpoint/2010/main" val="2035452050"/>
+      </p:ext>
+    </p:extLst>
   </p:cSld>
   <p:clrMapOvr>
     <a:masterClrMapping/>
@@ -833,8 +853,8 @@
         </p:nvSpPr>
         <p:spPr>
           <a:xfrm>
-            <a:off x="311944" y="2735583"/>
-            <a:ext cx="3943350" cy="4564379"/>
+            <a:off x="311944" y="3191514"/>
+            <a:ext cx="3943350" cy="5325109"/>
           </a:xfrm>
         </p:spPr>
         <p:txBody>
@@ -865,8 +885,8 @@
         </p:nvSpPr>
         <p:spPr>
           <a:xfrm>
-            <a:off x="311944" y="7343143"/>
-            <a:ext cx="3943350" cy="2400299"/>
+            <a:off x="311944" y="8567000"/>
+            <a:ext cx="3943350" cy="2800349"/>
           </a:xfrm>
         </p:spPr>
         <p:txBody>
@@ -965,7 +985,7 @@
             <a:pPr lvl="0"/>
             <a:r>
               <a:rPr lang="en-US"/>
-              <a:t>Click to edit Master text styles</a:t>
+              <a:t>Edit Master text styles</a:t>
             </a:r>
           </a:p>
         </p:txBody>
@@ -987,7 +1007,7 @@
           <a:p>
             <a:fld id="{BD5E1F6D-FFA6-BC44-B9B8-BBE6A1110E96}" type="datetimeFigureOut">
               <a:rPr lang="en-US" smtClean="0"/>
-              <a:t>2/2/18</a:t>
+              <a:t>4/24/18</a:t>
             </a:fld>
             <a:endParaRPr lang="en-US"/>
           </a:p>
@@ -1036,6 +1056,11 @@
         </p:txBody>
       </p:sp>
     </p:spTree>
+    <p:extLst>
+      <p:ext uri="{BB962C8B-B14F-4D97-AF65-F5344CB8AC3E}">
+        <p14:creationId xmlns:p14="http://schemas.microsoft.com/office/powerpoint/2010/main" val="818378953"/>
+      </p:ext>
+    </p:extLst>
   </p:cSld>
   <p:clrMapOvr>
     <a:masterClrMapping/>
@@ -1095,8 +1120,8 @@
         </p:nvSpPr>
         <p:spPr>
           <a:xfrm>
-            <a:off x="314325" y="2921000"/>
-            <a:ext cx="1943100" cy="6962141"/>
+            <a:off x="314325" y="3407833"/>
+            <a:ext cx="1943100" cy="8122498"/>
           </a:xfrm>
         </p:spPr>
         <p:txBody>
@@ -1106,7 +1131,7 @@
             <a:pPr lvl="0"/>
             <a:r>
               <a:rPr lang="en-US"/>
-              <a:t>Click to edit Master text styles</a:t>
+              <a:t>Edit Master text styles</a:t>
             </a:r>
           </a:p>
           <a:p>
@@ -1152,8 +1177,8 @@
         </p:nvSpPr>
         <p:spPr>
           <a:xfrm>
-            <a:off x="2314575" y="2921000"/>
-            <a:ext cx="1943100" cy="6962141"/>
+            <a:off x="2314575" y="3407833"/>
+            <a:ext cx="1943100" cy="8122498"/>
           </a:xfrm>
         </p:spPr>
         <p:txBody>
@@ -1163,7 +1188,7 @@
             <a:pPr lvl="0"/>
             <a:r>
               <a:rPr lang="en-US"/>
-              <a:t>Click to edit Master text styles</a:t>
+              <a:t>Edit Master text styles</a:t>
             </a:r>
           </a:p>
           <a:p>
@@ -1214,7 +1239,7 @@
           <a:p>
             <a:fld id="{BD5E1F6D-FFA6-BC44-B9B8-BBE6A1110E96}" type="datetimeFigureOut">
               <a:rPr lang="en-US" smtClean="0"/>
-              <a:t>2/2/18</a:t>
+              <a:t>4/24/18</a:t>
             </a:fld>
             <a:endParaRPr lang="en-US"/>
           </a:p>
@@ -1263,6 +1288,11 @@
         </p:txBody>
       </p:sp>
     </p:spTree>
+    <p:extLst>
+      <p:ext uri="{BB962C8B-B14F-4D97-AF65-F5344CB8AC3E}">
+        <p14:creationId xmlns:p14="http://schemas.microsoft.com/office/powerpoint/2010/main" val="1784008837"/>
+      </p:ext>
+    </p:extLst>
   </p:cSld>
   <p:clrMapOvr>
     <a:masterClrMapping/>
@@ -1299,8 +1329,8 @@
         </p:nvSpPr>
         <p:spPr>
           <a:xfrm>
-            <a:off x="314921" y="584202"/>
-            <a:ext cx="3943350" cy="2120901"/>
+            <a:off x="314921" y="681570"/>
+            <a:ext cx="3943350" cy="2474384"/>
           </a:xfrm>
         </p:spPr>
         <p:txBody>
@@ -1327,8 +1357,8 @@
         </p:nvSpPr>
         <p:spPr>
           <a:xfrm>
-            <a:off x="314921" y="2689861"/>
-            <a:ext cx="1934170" cy="1318259"/>
+            <a:off x="314921" y="3138171"/>
+            <a:ext cx="1934170" cy="1537969"/>
           </a:xfrm>
         </p:spPr>
         <p:txBody>
@@ -1375,7 +1405,7 @@
             <a:pPr lvl="0"/>
             <a:r>
               <a:rPr lang="en-US"/>
-              <a:t>Click to edit Master text styles</a:t>
+              <a:t>Edit Master text styles</a:t>
             </a:r>
           </a:p>
         </p:txBody>
@@ -1392,8 +1422,8 @@
         </p:nvSpPr>
         <p:spPr>
           <a:xfrm>
-            <a:off x="314921" y="4008120"/>
-            <a:ext cx="1934170" cy="5895341"/>
+            <a:off x="314921" y="4676140"/>
+            <a:ext cx="1934170" cy="6877898"/>
           </a:xfrm>
         </p:spPr>
         <p:txBody>
@@ -1403,7 +1433,7 @@
             <a:pPr lvl="0"/>
             <a:r>
               <a:rPr lang="en-US"/>
-              <a:t>Click to edit Master text styles</a:t>
+              <a:t>Edit Master text styles</a:t>
             </a:r>
           </a:p>
           <a:p>
@@ -1449,8 +1479,8 @@
         </p:nvSpPr>
         <p:spPr>
           <a:xfrm>
-            <a:off x="2314575" y="2689861"/>
-            <a:ext cx="1943696" cy="1318259"/>
+            <a:off x="2314575" y="3138171"/>
+            <a:ext cx="1943696" cy="1537969"/>
           </a:xfrm>
         </p:spPr>
         <p:txBody>
@@ -1497,7 +1527,7 @@
             <a:pPr lvl="0"/>
             <a:r>
               <a:rPr lang="en-US"/>
-              <a:t>Click to edit Master text styles</a:t>
+              <a:t>Edit Master text styles</a:t>
             </a:r>
           </a:p>
         </p:txBody>
@@ -1514,8 +1544,8 @@
         </p:nvSpPr>
         <p:spPr>
           <a:xfrm>
-            <a:off x="2314575" y="4008120"/>
-            <a:ext cx="1943696" cy="5895341"/>
+            <a:off x="2314575" y="4676140"/>
+            <a:ext cx="1943696" cy="6877898"/>
           </a:xfrm>
         </p:spPr>
         <p:txBody>
@@ -1525,7 +1555,7 @@
             <a:pPr lvl="0"/>
             <a:r>
               <a:rPr lang="en-US"/>
-              <a:t>Click to edit Master text styles</a:t>
+              <a:t>Edit Master text styles</a:t>
             </a:r>
           </a:p>
           <a:p>
@@ -1576,7 +1606,7 @@
           <a:p>
             <a:fld id="{BD5E1F6D-FFA6-BC44-B9B8-BBE6A1110E96}" type="datetimeFigureOut">
               <a:rPr lang="en-US" smtClean="0"/>
-              <a:t>2/2/18</a:t>
+              <a:t>4/24/18</a:t>
             </a:fld>
             <a:endParaRPr lang="en-US"/>
           </a:p>
@@ -1625,6 +1655,11 @@
         </p:txBody>
       </p:sp>
     </p:spTree>
+    <p:extLst>
+      <p:ext uri="{BB962C8B-B14F-4D97-AF65-F5344CB8AC3E}">
+        <p14:creationId xmlns:p14="http://schemas.microsoft.com/office/powerpoint/2010/main" val="3719659428"/>
+      </p:ext>
+    </p:extLst>
   </p:cSld>
   <p:clrMapOvr>
     <a:masterClrMapping/>
@@ -1689,7 +1724,7 @@
           <a:p>
             <a:fld id="{BD5E1F6D-FFA6-BC44-B9B8-BBE6A1110E96}" type="datetimeFigureOut">
               <a:rPr lang="en-US" smtClean="0"/>
-              <a:t>2/2/18</a:t>
+              <a:t>4/24/18</a:t>
             </a:fld>
             <a:endParaRPr lang="en-US"/>
           </a:p>
@@ -1738,6 +1773,11 @@
         </p:txBody>
       </p:sp>
     </p:spTree>
+    <p:extLst>
+      <p:ext uri="{BB962C8B-B14F-4D97-AF65-F5344CB8AC3E}">
+        <p14:creationId xmlns:p14="http://schemas.microsoft.com/office/powerpoint/2010/main" val="4287770666"/>
+      </p:ext>
+    </p:extLst>
   </p:cSld>
   <p:clrMapOvr>
     <a:masterClrMapping/>
@@ -1779,7 +1819,7 @@
           <a:p>
             <a:fld id="{BD5E1F6D-FFA6-BC44-B9B8-BBE6A1110E96}" type="datetimeFigureOut">
               <a:rPr lang="en-US" smtClean="0"/>
-              <a:t>2/2/18</a:t>
+              <a:t>4/24/18</a:t>
             </a:fld>
             <a:endParaRPr lang="en-US"/>
           </a:p>
@@ -1828,6 +1868,11 @@
         </p:txBody>
       </p:sp>
     </p:spTree>
+    <p:extLst>
+      <p:ext uri="{BB962C8B-B14F-4D97-AF65-F5344CB8AC3E}">
+        <p14:creationId xmlns:p14="http://schemas.microsoft.com/office/powerpoint/2010/main" val="3295406348"/>
+      </p:ext>
+    </p:extLst>
   </p:cSld>
   <p:clrMapOvr>
     <a:masterClrMapping/>
@@ -1864,8 +1909,8 @@
         </p:nvSpPr>
         <p:spPr>
           <a:xfrm>
-            <a:off x="314921" y="731520"/>
-            <a:ext cx="1474589" cy="2560320"/>
+            <a:off x="314921" y="853440"/>
+            <a:ext cx="1474589" cy="2987040"/>
           </a:xfrm>
         </p:spPr>
         <p:txBody>
@@ -1896,8 +1941,8 @@
         </p:nvSpPr>
         <p:spPr>
           <a:xfrm>
-            <a:off x="1943695" y="1579882"/>
-            <a:ext cx="2314575" cy="7797800"/>
+            <a:off x="1943695" y="1843196"/>
+            <a:ext cx="2314575" cy="9097433"/>
           </a:xfrm>
         </p:spPr>
         <p:txBody>
@@ -1935,7 +1980,7 @@
             <a:pPr lvl="0"/>
             <a:r>
               <a:rPr lang="en-US"/>
-              <a:t>Click to edit Master text styles</a:t>
+              <a:t>Edit Master text styles</a:t>
             </a:r>
           </a:p>
           <a:p>
@@ -1981,8 +2026,8 @@
         </p:nvSpPr>
         <p:spPr>
           <a:xfrm>
-            <a:off x="314921" y="3291840"/>
-            <a:ext cx="1474589" cy="6098541"/>
+            <a:off x="314921" y="3840480"/>
+            <a:ext cx="1474589" cy="7114964"/>
           </a:xfrm>
         </p:spPr>
         <p:txBody>
@@ -2029,7 +2074,7 @@
             <a:pPr lvl="0"/>
             <a:r>
               <a:rPr lang="en-US"/>
-              <a:t>Click to edit Master text styles</a:t>
+              <a:t>Edit Master text styles</a:t>
             </a:r>
           </a:p>
         </p:txBody>
@@ -2051,7 +2096,7 @@
           <a:p>
             <a:fld id="{BD5E1F6D-FFA6-BC44-B9B8-BBE6A1110E96}" type="datetimeFigureOut">
               <a:rPr lang="en-US" smtClean="0"/>
-              <a:t>2/2/18</a:t>
+              <a:t>4/24/18</a:t>
             </a:fld>
             <a:endParaRPr lang="en-US"/>
           </a:p>
@@ -2100,6 +2145,11 @@
         </p:txBody>
       </p:sp>
     </p:spTree>
+    <p:extLst>
+      <p:ext uri="{BB962C8B-B14F-4D97-AF65-F5344CB8AC3E}">
+        <p14:creationId xmlns:p14="http://schemas.microsoft.com/office/powerpoint/2010/main" val="1745998548"/>
+      </p:ext>
+    </p:extLst>
   </p:cSld>
   <p:clrMapOvr>
     <a:masterClrMapping/>
@@ -2136,8 +2186,8 @@
         </p:nvSpPr>
         <p:spPr>
           <a:xfrm>
-            <a:off x="314921" y="731520"/>
-            <a:ext cx="1474589" cy="2560320"/>
+            <a:off x="314921" y="853440"/>
+            <a:ext cx="1474589" cy="2987040"/>
           </a:xfrm>
         </p:spPr>
         <p:txBody>
@@ -2168,8 +2218,8 @@
         </p:nvSpPr>
         <p:spPr>
           <a:xfrm>
-            <a:off x="1943695" y="1579882"/>
-            <a:ext cx="2314575" cy="7797800"/>
+            <a:off x="1943695" y="1843196"/>
+            <a:ext cx="2314575" cy="9097433"/>
           </a:xfrm>
         </p:spPr>
         <p:txBody>
@@ -2215,7 +2265,7 @@
           <a:p>
             <a:r>
               <a:rPr lang="en-US"/>
-              <a:t>Drag picture to placeholder or click icon to add</a:t>
+              <a:t>Click icon to add picture</a:t>
             </a:r>
             <a:endParaRPr lang="en-US" dirty="0"/>
           </a:p>
@@ -2233,8 +2283,8 @@
         </p:nvSpPr>
         <p:spPr>
           <a:xfrm>
-            <a:off x="314921" y="3291840"/>
-            <a:ext cx="1474589" cy="6098541"/>
+            <a:off x="314921" y="3840480"/>
+            <a:ext cx="1474589" cy="7114964"/>
           </a:xfrm>
         </p:spPr>
         <p:txBody>
@@ -2281,7 +2331,7 @@
             <a:pPr lvl="0"/>
             <a:r>
               <a:rPr lang="en-US"/>
-              <a:t>Click to edit Master text styles</a:t>
+              <a:t>Edit Master text styles</a:t>
             </a:r>
           </a:p>
         </p:txBody>
@@ -2303,7 +2353,7 @@
           <a:p>
             <a:fld id="{BD5E1F6D-FFA6-BC44-B9B8-BBE6A1110E96}" type="datetimeFigureOut">
               <a:rPr lang="en-US" smtClean="0"/>
-              <a:t>2/2/18</a:t>
+              <a:t>4/24/18</a:t>
             </a:fld>
             <a:endParaRPr lang="en-US"/>
           </a:p>
@@ -2352,6 +2402,11 @@
         </p:txBody>
       </p:sp>
     </p:spTree>
+    <p:extLst>
+      <p:ext uri="{BB962C8B-B14F-4D97-AF65-F5344CB8AC3E}">
+        <p14:creationId xmlns:p14="http://schemas.microsoft.com/office/powerpoint/2010/main" val="917520821"/>
+      </p:ext>
+    </p:extLst>
   </p:cSld>
   <p:clrMapOvr>
     <a:masterClrMapping/>
@@ -2393,8 +2448,8 @@
         </p:nvSpPr>
         <p:spPr>
           <a:xfrm>
-            <a:off x="314325" y="584202"/>
-            <a:ext cx="3943350" cy="2120901"/>
+            <a:off x="314325" y="681570"/>
+            <a:ext cx="3943350" cy="2474384"/>
           </a:xfrm>
           <a:prstGeom prst="rect">
             <a:avLst/>
@@ -2426,8 +2481,8 @@
         </p:nvSpPr>
         <p:spPr>
           <a:xfrm>
-            <a:off x="314325" y="2921000"/>
-            <a:ext cx="3943350" cy="6962141"/>
+            <a:off x="314325" y="3407833"/>
+            <a:ext cx="3943350" cy="8122498"/>
           </a:xfrm>
           <a:prstGeom prst="rect">
             <a:avLst/>
@@ -2442,7 +2497,7 @@
             <a:pPr lvl="0"/>
             <a:r>
               <a:rPr lang="en-US"/>
-              <a:t>Click to edit Master text styles</a:t>
+              <a:t>Edit Master text styles</a:t>
             </a:r>
           </a:p>
           <a:p>
@@ -2488,8 +2543,8 @@
         </p:nvSpPr>
         <p:spPr>
           <a:xfrm>
-            <a:off x="314325" y="10170162"/>
-            <a:ext cx="1028700" cy="584200"/>
+            <a:off x="314325" y="11865189"/>
+            <a:ext cx="1028700" cy="681567"/>
           </a:xfrm>
           <a:prstGeom prst="rect">
             <a:avLst/>
@@ -2511,7 +2566,7 @@
           <a:p>
             <a:fld id="{BD5E1F6D-FFA6-BC44-B9B8-BBE6A1110E96}" type="datetimeFigureOut">
               <a:rPr lang="en-US" smtClean="0"/>
-              <a:t>2/2/18</a:t>
+              <a:t>4/24/18</a:t>
             </a:fld>
             <a:endParaRPr lang="en-US"/>
           </a:p>
@@ -2529,8 +2584,8 @@
         </p:nvSpPr>
         <p:spPr>
           <a:xfrm>
-            <a:off x="1514475" y="10170162"/>
-            <a:ext cx="1543050" cy="584200"/>
+            <a:off x="1514475" y="11865189"/>
+            <a:ext cx="1543050" cy="681567"/>
           </a:xfrm>
           <a:prstGeom prst="rect">
             <a:avLst/>
@@ -2566,8 +2621,8 @@
         </p:nvSpPr>
         <p:spPr>
           <a:xfrm>
-            <a:off x="3228975" y="10170162"/>
-            <a:ext cx="1028700" cy="584200"/>
+            <a:off x="3228975" y="11865189"/>
+            <a:ext cx="1028700" cy="681567"/>
           </a:xfrm>
           <a:prstGeom prst="rect">
             <a:avLst/>
@@ -2598,23 +2653,23 @@
     </p:spTree>
     <p:extLst>
       <p:ext uri="{BB962C8B-B14F-4D97-AF65-F5344CB8AC3E}">
-        <p14:creationId xmlns:p14="http://schemas.microsoft.com/office/powerpoint/2010/main" val="1771913942"/>
+        <p14:creationId xmlns:p14="http://schemas.microsoft.com/office/powerpoint/2010/main" val="2840269146"/>
       </p:ext>
     </p:extLst>
   </p:cSld>
   <p:clrMap bg1="lt1" tx1="dk1" bg2="lt2" tx2="dk2" accent1="accent1" accent2="accent2" accent3="accent3" accent4="accent4" accent5="accent5" accent6="accent6" hlink="hlink" folHlink="folHlink"/>
   <p:sldLayoutIdLst>
-    <p:sldLayoutId id="2147483697" r:id="rId1"/>
-    <p:sldLayoutId id="2147483698" r:id="rId2"/>
-    <p:sldLayoutId id="2147483699" r:id="rId3"/>
-    <p:sldLayoutId id="2147483700" r:id="rId4"/>
-    <p:sldLayoutId id="2147483701" r:id="rId5"/>
-    <p:sldLayoutId id="2147483702" r:id="rId6"/>
-    <p:sldLayoutId id="2147483703" r:id="rId7"/>
-    <p:sldLayoutId id="2147483704" r:id="rId8"/>
-    <p:sldLayoutId id="2147483705" r:id="rId9"/>
-    <p:sldLayoutId id="2147483706" r:id="rId10"/>
-    <p:sldLayoutId id="2147483707" r:id="rId11"/>
+    <p:sldLayoutId id="2147483721" r:id="rId1"/>
+    <p:sldLayoutId id="2147483722" r:id="rId2"/>
+    <p:sldLayoutId id="2147483723" r:id="rId3"/>
+    <p:sldLayoutId id="2147483724" r:id="rId4"/>
+    <p:sldLayoutId id="2147483725" r:id="rId5"/>
+    <p:sldLayoutId id="2147483726" r:id="rId6"/>
+    <p:sldLayoutId id="2147483727" r:id="rId7"/>
+    <p:sldLayoutId id="2147483728" r:id="rId8"/>
+    <p:sldLayoutId id="2147483729" r:id="rId9"/>
+    <p:sldLayoutId id="2147483730" r:id="rId10"/>
+    <p:sldLayoutId id="2147483731" r:id="rId11"/>
   </p:sldLayoutIdLst>
   <p:txStyles>
     <p:titleStyle>
@@ -2918,28 +2973,28 @@
       </p:grpSpPr>
       <p:pic>
         <p:nvPicPr>
-          <p:cNvPr id="40" name="Picture 39"/>
+          <p:cNvPr id="62" name="Picture 61">
+            <a:extLst>
+              <a:ext uri="{FF2B5EF4-FFF2-40B4-BE49-F238E27FC236}">
+                <a16:creationId xmlns:a16="http://schemas.microsoft.com/office/drawing/2014/main" id="{850B81FA-D714-254C-BFB2-EBA53B1DEECF}"/>
+              </a:ext>
+            </a:extLst>
+          </p:cNvPr>
           <p:cNvPicPr>
             <a:picLocks noChangeAspect="1"/>
           </p:cNvPicPr>
           <p:nvPr/>
         </p:nvPicPr>
         <p:blipFill>
-          <a:blip r:embed="rId2">
-            <a:extLst>
-              <a:ext uri="{28A0092B-C50C-407E-A947-70E740481C1C}">
-                <a14:useLocalDpi xmlns:a14="http://schemas.microsoft.com/office/drawing/2010/main" val="0"/>
-              </a:ext>
-            </a:extLst>
-          </a:blip>
+          <a:blip r:embed="rId2"/>
           <a:stretch>
             <a:fillRect/>
           </a:stretch>
         </p:blipFill>
         <p:spPr>
           <a:xfrm>
-            <a:off x="2171037" y="6486690"/>
-            <a:ext cx="2363781" cy="2057756"/>
+            <a:off x="914502" y="11045743"/>
+            <a:ext cx="1045087" cy="1045087"/>
           </a:xfrm>
           <a:prstGeom prst="rect">
             <a:avLst/>
@@ -2948,28 +3003,28 @@
       </p:pic>
       <p:pic>
         <p:nvPicPr>
-          <p:cNvPr id="41" name="Picture 40"/>
+          <p:cNvPr id="63" name="Picture 62">
+            <a:extLst>
+              <a:ext uri="{FF2B5EF4-FFF2-40B4-BE49-F238E27FC236}">
+                <a16:creationId xmlns:a16="http://schemas.microsoft.com/office/drawing/2014/main" id="{220E0EEA-984F-5B42-9C69-4DFCD1636D8B}"/>
+              </a:ext>
+            </a:extLst>
+          </p:cNvPr>
           <p:cNvPicPr>
             <a:picLocks noChangeAspect="1"/>
           </p:cNvPicPr>
           <p:nvPr/>
         </p:nvPicPr>
         <p:blipFill>
-          <a:blip r:embed="rId3">
-            <a:extLst>
-              <a:ext uri="{28A0092B-C50C-407E-A947-70E740481C1C}">
-                <a14:useLocalDpi xmlns:a14="http://schemas.microsoft.com/office/drawing/2010/main" val="0"/>
-              </a:ext>
-            </a:extLst>
-          </a:blip>
+          <a:blip r:embed="rId3"/>
           <a:stretch>
             <a:fillRect/>
           </a:stretch>
         </p:blipFill>
         <p:spPr>
           <a:xfrm>
-            <a:off x="674444" y="6860848"/>
-            <a:ext cx="1402575" cy="1224956"/>
+            <a:off x="2411483" y="10640079"/>
+            <a:ext cx="2130276" cy="2134705"/>
           </a:xfrm>
           <a:prstGeom prst="rect">
             <a:avLst/>
@@ -2978,28 +3033,28 @@
       </p:pic>
       <p:pic>
         <p:nvPicPr>
-          <p:cNvPr id="42" name="Picture 41"/>
+          <p:cNvPr id="64" name="Picture 63">
+            <a:extLst>
+              <a:ext uri="{FF2B5EF4-FFF2-40B4-BE49-F238E27FC236}">
+                <a16:creationId xmlns:a16="http://schemas.microsoft.com/office/drawing/2014/main" id="{1972724E-567D-D043-A86D-C3DC8DBACBBB}"/>
+              </a:ext>
+            </a:extLst>
+          </p:cNvPr>
           <p:cNvPicPr>
             <a:picLocks noChangeAspect="1"/>
           </p:cNvPicPr>
           <p:nvPr/>
         </p:nvPicPr>
         <p:blipFill>
-          <a:blip r:embed="rId4">
-            <a:extLst>
-              <a:ext uri="{28A0092B-C50C-407E-A947-70E740481C1C}">
-                <a14:useLocalDpi xmlns:a14="http://schemas.microsoft.com/office/drawing/2010/main" val="0"/>
-              </a:ext>
-            </a:extLst>
-          </a:blip>
+          <a:blip r:embed="rId4"/>
           <a:stretch>
             <a:fillRect/>
           </a:stretch>
         </p:blipFill>
         <p:spPr>
           <a:xfrm>
-            <a:off x="2418182" y="4322671"/>
-            <a:ext cx="1869493" cy="1970547"/>
+            <a:off x="834796" y="6962801"/>
+            <a:ext cx="1070036" cy="948015"/>
           </a:xfrm>
           <a:prstGeom prst="rect">
             <a:avLst/>
@@ -3008,28 +3063,28 @@
       </p:pic>
       <p:pic>
         <p:nvPicPr>
-          <p:cNvPr id="43" name="Picture 42"/>
+          <p:cNvPr id="65" name="Picture 64">
+            <a:extLst>
+              <a:ext uri="{FF2B5EF4-FFF2-40B4-BE49-F238E27FC236}">
+                <a16:creationId xmlns:a16="http://schemas.microsoft.com/office/drawing/2014/main" id="{0B2F449E-6C4D-9D4D-A872-52FFD7815D9E}"/>
+              </a:ext>
+            </a:extLst>
+          </p:cNvPr>
           <p:cNvPicPr>
             <a:picLocks noChangeAspect="1"/>
           </p:cNvPicPr>
           <p:nvPr/>
         </p:nvPicPr>
         <p:blipFill>
-          <a:blip r:embed="rId5">
-            <a:extLst>
-              <a:ext uri="{28A0092B-C50C-407E-A947-70E740481C1C}">
-                <a14:useLocalDpi xmlns:a14="http://schemas.microsoft.com/office/drawing/2010/main" val="0"/>
-              </a:ext>
-            </a:extLst>
-          </a:blip>
+          <a:blip r:embed="rId5"/>
           <a:stretch>
             <a:fillRect/>
           </a:stretch>
         </p:blipFill>
         <p:spPr>
           <a:xfrm>
-            <a:off x="774976" y="4695465"/>
-            <a:ext cx="1159040" cy="1224957"/>
+            <a:off x="2495947" y="6506301"/>
+            <a:ext cx="2056269" cy="1794060"/>
           </a:xfrm>
           <a:prstGeom prst="rect">
             <a:avLst/>
@@ -3038,28 +3093,28 @@
       </p:pic>
       <p:pic>
         <p:nvPicPr>
-          <p:cNvPr id="44" name="Picture 43"/>
+          <p:cNvPr id="66" name="Picture 65">
+            <a:extLst>
+              <a:ext uri="{FF2B5EF4-FFF2-40B4-BE49-F238E27FC236}">
+                <a16:creationId xmlns:a16="http://schemas.microsoft.com/office/drawing/2014/main" id="{F6BD96AF-74C7-B047-A8D8-35FBF400FDF1}"/>
+              </a:ext>
+            </a:extLst>
+          </p:cNvPr>
           <p:cNvPicPr>
             <a:picLocks noChangeAspect="1"/>
           </p:cNvPicPr>
           <p:nvPr/>
         </p:nvPicPr>
         <p:blipFill>
-          <a:blip r:embed="rId6">
-            <a:extLst>
-              <a:ext uri="{28A0092B-C50C-407E-A947-70E740481C1C}">
-                <a14:useLocalDpi xmlns:a14="http://schemas.microsoft.com/office/drawing/2010/main" val="0"/>
-              </a:ext>
-            </a:extLst>
-          </a:blip>
+          <a:blip r:embed="rId6"/>
           <a:stretch>
             <a:fillRect/>
           </a:stretch>
         </p:blipFill>
         <p:spPr>
           <a:xfrm>
-            <a:off x="2317128" y="2158652"/>
-            <a:ext cx="1970547" cy="1970547"/>
+            <a:off x="814305" y="4839692"/>
+            <a:ext cx="1042349" cy="1096948"/>
           </a:xfrm>
           <a:prstGeom prst="rect">
             <a:avLst/>
@@ -3068,28 +3123,28 @@
       </p:pic>
       <p:pic>
         <p:nvPicPr>
-          <p:cNvPr id="45" name="Picture 44"/>
+          <p:cNvPr id="67" name="Picture 66">
+            <a:extLst>
+              <a:ext uri="{FF2B5EF4-FFF2-40B4-BE49-F238E27FC236}">
+                <a16:creationId xmlns:a16="http://schemas.microsoft.com/office/drawing/2014/main" id="{99880E57-9C5E-0B43-A5E7-B5567EF26249}"/>
+              </a:ext>
+            </a:extLst>
+          </p:cNvPr>
           <p:cNvPicPr>
             <a:picLocks noChangeAspect="1"/>
           </p:cNvPicPr>
           <p:nvPr/>
         </p:nvPicPr>
         <p:blipFill>
-          <a:blip r:embed="rId7">
-            <a:extLst>
-              <a:ext uri="{28A0092B-C50C-407E-A947-70E740481C1C}">
-                <a14:useLocalDpi xmlns:a14="http://schemas.microsoft.com/office/drawing/2010/main" val="0"/>
-              </a:ext>
-            </a:extLst>
-          </a:blip>
+          <a:blip r:embed="rId7"/>
           <a:stretch>
             <a:fillRect/>
           </a:stretch>
         </p:blipFill>
         <p:spPr>
           <a:xfrm>
-            <a:off x="774976" y="2532810"/>
-            <a:ext cx="1201513" cy="1222229"/>
+            <a:off x="2559560" y="4379942"/>
+            <a:ext cx="1982199" cy="2089874"/>
           </a:xfrm>
           <a:prstGeom prst="rect">
             <a:avLst/>
@@ -3098,28 +3153,28 @@
       </p:pic>
       <p:pic>
         <p:nvPicPr>
-          <p:cNvPr id="46" name="Picture 45"/>
+          <p:cNvPr id="68" name="Picture 67">
+            <a:extLst>
+              <a:ext uri="{FF2B5EF4-FFF2-40B4-BE49-F238E27FC236}">
+                <a16:creationId xmlns:a16="http://schemas.microsoft.com/office/drawing/2014/main" id="{52E5A4C3-0975-D246-9D18-D5A1608D25C3}"/>
+              </a:ext>
+            </a:extLst>
+          </p:cNvPr>
           <p:cNvPicPr>
             <a:picLocks noChangeAspect="1"/>
           </p:cNvPicPr>
           <p:nvPr/>
         </p:nvPicPr>
         <p:blipFill>
-          <a:blip r:embed="rId8">
-            <a:extLst>
-              <a:ext uri="{28A0092B-C50C-407E-A947-70E740481C1C}">
-                <a14:useLocalDpi xmlns:a14="http://schemas.microsoft.com/office/drawing/2010/main" val="0"/>
-              </a:ext>
-            </a:extLst>
-          </a:blip>
+          <a:blip r:embed="rId8"/>
           <a:stretch>
             <a:fillRect/>
           </a:stretch>
         </p:blipFill>
         <p:spPr>
           <a:xfrm>
-            <a:off x="2502009" y="-5367"/>
-            <a:ext cx="1701836" cy="1970547"/>
+            <a:off x="867772" y="8936977"/>
+            <a:ext cx="1074057" cy="1083438"/>
           </a:xfrm>
           <a:prstGeom prst="rect">
             <a:avLst/>
@@ -3128,43 +3183,169 @@
       </p:pic>
       <p:pic>
         <p:nvPicPr>
-          <p:cNvPr id="47" name="Picture 46"/>
+          <p:cNvPr id="69" name="Picture 68">
+            <a:extLst>
+              <a:ext uri="{FF2B5EF4-FFF2-40B4-BE49-F238E27FC236}">
+                <a16:creationId xmlns:a16="http://schemas.microsoft.com/office/drawing/2014/main" id="{8031818D-4877-9A45-8CC8-F1A5E83A2FF3}"/>
+              </a:ext>
+            </a:extLst>
+          </p:cNvPr>
           <p:cNvPicPr>
             <a:picLocks noChangeAspect="1"/>
           </p:cNvPicPr>
           <p:nvPr/>
         </p:nvPicPr>
         <p:blipFill>
-          <a:blip r:embed="rId9">
-            <a:extLst>
-              <a:ext uri="{28A0092B-C50C-407E-A947-70E740481C1C}">
-                <a14:useLocalDpi xmlns:a14="http://schemas.microsoft.com/office/drawing/2010/main" val="0"/>
-              </a:ext>
-            </a:extLst>
-          </a:blip>
+          <a:blip r:embed="rId9"/>
           <a:stretch>
             <a:fillRect/>
           </a:stretch>
         </p:blipFill>
         <p:spPr>
           <a:xfrm>
-            <a:off x="888955" y="368791"/>
-            <a:ext cx="1087534" cy="1222229"/>
+            <a:off x="2422068" y="8477870"/>
+            <a:ext cx="2130148" cy="2120638"/>
           </a:xfrm>
           <a:prstGeom prst="rect">
             <a:avLst/>
           </a:prstGeom>
         </p:spPr>
       </p:pic>
-      <p:sp>
-        <p:nvSpPr>
-          <p:cNvPr id="50" name="TextBox 49"/>
+      <p:pic>
+        <p:nvPicPr>
+          <p:cNvPr id="70" name="Picture 69">
+            <a:extLst>
+              <a:ext uri="{FF2B5EF4-FFF2-40B4-BE49-F238E27FC236}">
+                <a16:creationId xmlns:a16="http://schemas.microsoft.com/office/drawing/2014/main" id="{02948552-5F45-0F46-B35F-A6CD5E8B71F1}"/>
+              </a:ext>
+            </a:extLst>
+          </p:cNvPr>
+          <p:cNvPicPr>
+            <a:picLocks noChangeAspect="1"/>
+          </p:cNvPicPr>
+          <p:nvPr/>
+        </p:nvPicPr>
+        <p:blipFill>
+          <a:blip r:embed="rId10"/>
+          <a:stretch>
+            <a:fillRect/>
+          </a:stretch>
+        </p:blipFill>
+        <p:spPr>
+          <a:xfrm>
+            <a:off x="834796" y="2734291"/>
+            <a:ext cx="1051328" cy="1079240"/>
+          </a:xfrm>
+          <a:prstGeom prst="rect">
+            <a:avLst/>
+          </a:prstGeom>
+        </p:spPr>
+      </p:pic>
+      <p:pic>
+        <p:nvPicPr>
+          <p:cNvPr id="71" name="Picture 70">
+            <a:extLst>
+              <a:ext uri="{FF2B5EF4-FFF2-40B4-BE49-F238E27FC236}">
+                <a16:creationId xmlns:a16="http://schemas.microsoft.com/office/drawing/2014/main" id="{58734BFC-AE35-0943-9D36-34327A3C1C25}"/>
+              </a:ext>
+            </a:extLst>
+          </p:cNvPr>
+          <p:cNvPicPr>
+            <a:picLocks noChangeAspect="1"/>
+          </p:cNvPicPr>
+          <p:nvPr/>
+        </p:nvPicPr>
+        <p:blipFill>
+          <a:blip r:embed="rId11"/>
+          <a:stretch>
+            <a:fillRect/>
+          </a:stretch>
+        </p:blipFill>
+        <p:spPr>
+          <a:xfrm>
+            <a:off x="2495948" y="2253469"/>
+            <a:ext cx="2076053" cy="2089988"/>
+          </a:xfrm>
+          <a:prstGeom prst="rect">
+            <a:avLst/>
+          </a:prstGeom>
+        </p:spPr>
+      </p:pic>
+      <p:pic>
+        <p:nvPicPr>
+          <p:cNvPr id="72" name="Picture 71">
+            <a:extLst>
+              <a:ext uri="{FF2B5EF4-FFF2-40B4-BE49-F238E27FC236}">
+                <a16:creationId xmlns:a16="http://schemas.microsoft.com/office/drawing/2014/main" id="{2967C863-23D3-B74B-AE76-2FCD716F696E}"/>
+              </a:ext>
+            </a:extLst>
+          </p:cNvPr>
+          <p:cNvPicPr>
+            <a:picLocks noChangeAspect="1"/>
+          </p:cNvPicPr>
+          <p:nvPr/>
+        </p:nvPicPr>
+        <p:blipFill>
+          <a:blip r:embed="rId12"/>
+          <a:stretch>
+            <a:fillRect/>
+          </a:stretch>
+        </p:blipFill>
+        <p:spPr>
+          <a:xfrm>
+            <a:off x="914502" y="582519"/>
+            <a:ext cx="942152" cy="1120114"/>
+          </a:xfrm>
+          <a:prstGeom prst="rect">
+            <a:avLst/>
+          </a:prstGeom>
+        </p:spPr>
+      </p:pic>
+      <p:pic>
+        <p:nvPicPr>
+          <p:cNvPr id="73" name="Picture 72">
+            <a:extLst>
+              <a:ext uri="{FF2B5EF4-FFF2-40B4-BE49-F238E27FC236}">
+                <a16:creationId xmlns:a16="http://schemas.microsoft.com/office/drawing/2014/main" id="{CA501888-9E9F-C64F-AC2D-AA4ABA62E4FE}"/>
+              </a:ext>
+            </a:extLst>
+          </p:cNvPr>
+          <p:cNvPicPr>
+            <a:picLocks noChangeAspect="1"/>
+          </p:cNvPicPr>
+          <p:nvPr/>
+        </p:nvPicPr>
+        <p:blipFill>
+          <a:blip r:embed="rId13"/>
+          <a:stretch>
+            <a:fillRect/>
+          </a:stretch>
+        </p:blipFill>
+        <p:spPr>
+          <a:xfrm>
+            <a:off x="2559560" y="-1937"/>
+            <a:ext cx="1982199" cy="2255406"/>
+          </a:xfrm>
+          <a:prstGeom prst="rect">
+            <a:avLst/>
+          </a:prstGeom>
+        </p:spPr>
+      </p:pic>
+      <p:sp>
+        <p:nvSpPr>
+          <p:cNvPr id="74" name="TextBox 73">
+            <a:extLst>
+              <a:ext uri="{FF2B5EF4-FFF2-40B4-BE49-F238E27FC236}">
+                <a16:creationId xmlns:a16="http://schemas.microsoft.com/office/drawing/2014/main" id="{A28EC371-B1C2-8F4C-8087-52B2BD3879B6}"/>
+              </a:ext>
+            </a:extLst>
+          </p:cNvPr>
           <p:cNvSpPr txBox="1"/>
           <p:nvPr/>
         </p:nvSpPr>
         <p:spPr>
           <a:xfrm>
-            <a:off x="164373" y="814091"/>
+            <a:off x="164373" y="803943"/>
             <a:ext cx="683421" cy="331629"/>
           </a:xfrm>
           <a:prstGeom prst="rect">
@@ -3199,13 +3380,19 @@
       </p:sp>
       <p:sp>
         <p:nvSpPr>
-          <p:cNvPr id="51" name="TextBox 50"/>
+          <p:cNvPr id="75" name="TextBox 74">
+            <a:extLst>
+              <a:ext uri="{FF2B5EF4-FFF2-40B4-BE49-F238E27FC236}">
+                <a16:creationId xmlns:a16="http://schemas.microsoft.com/office/drawing/2014/main" id="{401A2B75-31A1-C249-9FB3-60A47E18EC10}"/>
+              </a:ext>
+            </a:extLst>
+          </p:cNvPr>
           <p:cNvSpPr txBox="1"/>
           <p:nvPr/>
         </p:nvSpPr>
         <p:spPr>
           <a:xfrm>
-            <a:off x="164373" y="2978109"/>
+            <a:off x="164373" y="2967961"/>
             <a:ext cx="683421" cy="331629"/>
           </a:xfrm>
           <a:prstGeom prst="rect">
@@ -3240,13 +3427,19 @@
       </p:sp>
       <p:sp>
         <p:nvSpPr>
-          <p:cNvPr id="52" name="TextBox 51"/>
+          <p:cNvPr id="76" name="TextBox 75">
+            <a:extLst>
+              <a:ext uri="{FF2B5EF4-FFF2-40B4-BE49-F238E27FC236}">
+                <a16:creationId xmlns:a16="http://schemas.microsoft.com/office/drawing/2014/main" id="{A2CA967B-CAF1-594F-BACC-D883BE6051C0}"/>
+              </a:ext>
+            </a:extLst>
+          </p:cNvPr>
           <p:cNvSpPr txBox="1"/>
           <p:nvPr/>
         </p:nvSpPr>
         <p:spPr>
           <a:xfrm>
-            <a:off x="122451" y="5144856"/>
+            <a:off x="122451" y="5134708"/>
             <a:ext cx="683421" cy="331629"/>
           </a:xfrm>
           <a:prstGeom prst="rect">
@@ -3281,13 +3474,19 @@
       </p:sp>
       <p:sp>
         <p:nvSpPr>
-          <p:cNvPr id="53" name="TextBox 52"/>
+          <p:cNvPr id="77" name="TextBox 76">
+            <a:extLst>
+              <a:ext uri="{FF2B5EF4-FFF2-40B4-BE49-F238E27FC236}">
+                <a16:creationId xmlns:a16="http://schemas.microsoft.com/office/drawing/2014/main" id="{0450260C-4768-254D-AB8A-12E83D9E33BD}"/>
+              </a:ext>
+            </a:extLst>
+          </p:cNvPr>
           <p:cNvSpPr txBox="1"/>
           <p:nvPr/>
         </p:nvSpPr>
         <p:spPr>
           <a:xfrm>
-            <a:off x="164373" y="7307511"/>
+            <a:off x="164373" y="7297363"/>
             <a:ext cx="683421" cy="331629"/>
           </a:xfrm>
           <a:prstGeom prst="rect">
@@ -3320,17 +3519,142 @@
           </a:p>
         </p:txBody>
       </p:sp>
-      <mc:AlternateContent xmlns:mc="http://schemas.openxmlformats.org/markup-compatibility/2006" xmlns:a14="http://schemas.microsoft.com/office/drawing/2010/main">
-        <mc:Choice Requires="a14">
+      <mc:AlternateContent xmlns:mc="http://schemas.openxmlformats.org/markup-compatibility/2006">
+        <mc:Choice xmlns:a14="http://schemas.microsoft.com/office/drawing/2010/main" Requires="a14">
           <p:sp>
             <p:nvSpPr>
-              <p:cNvPr id="54" name="TextBox 53"/>
+              <p:cNvPr id="78" name="TextBox 77">
+                <a:extLst>
+                  <a:ext uri="{FF2B5EF4-FFF2-40B4-BE49-F238E27FC236}">
+                    <a16:creationId xmlns:a16="http://schemas.microsoft.com/office/drawing/2014/main" id="{F1B99312-9B22-494A-BD8B-A26CAB6EAD46}"/>
+                  </a:ext>
+                </a:extLst>
+              </p:cNvPr>
               <p:cNvSpPr txBox="1"/>
               <p:nvPr/>
             </p:nvSpPr>
             <p:spPr>
               <a:xfrm>
-                <a:off x="191680" y="9553291"/>
+                <a:off x="117206" y="9237876"/>
+                <a:ext cx="1020894" cy="570926"/>
+              </a:xfrm>
+              <a:prstGeom prst="rect">
+                <a:avLst/>
+              </a:prstGeom>
+              <a:noFill/>
+            </p:spPr>
+            <p:txBody>
+              <a:bodyPr wrap="square" rtlCol="0">
+                <a:spAutoFit/>
+              </a:bodyPr>
+              <a:lstStyle/>
+              <a:p>
+                <a:r>
+                  <a:rPr lang="en-US" i="1" dirty="0">
+                    <a:latin typeface="Times" charset="0"/>
+                    <a:ea typeface="Times" charset="0"/>
+                    <a:cs typeface="Times" charset="0"/>
+                  </a:rPr>
+                  <a:t>n </a:t>
+                </a:r>
+                <a:r>
+                  <a:rPr lang="en-US" dirty="0">
+                    <a:latin typeface="Times" charset="0"/>
+                    <a:ea typeface="Times" charset="0"/>
+                    <a:cs typeface="Times" charset="0"/>
+                  </a:rPr>
+                  <a:t>= </a:t>
+                </a:r>
+                <a14:m>
+                  <m:oMath xmlns:m="http://schemas.openxmlformats.org/officeDocument/2006/math">
+                    <m:r>
+                      <a:rPr lang="en-US" b="0" i="1" smtClean="0">
+                        <a:latin typeface="Cambria Math" panose="02040503050406030204" pitchFamily="18" charset="0"/>
+                        <a:ea typeface="Times" charset="0"/>
+                        <a:cs typeface="Times" charset="0"/>
+                      </a:rPr>
+                      <m:t>20</m:t>
+                    </m:r>
+                  </m:oMath>
+                </a14:m>
+                <a:endParaRPr lang="en-US" dirty="0">
+                  <a:latin typeface="Times" charset="0"/>
+                  <a:ea typeface="Times" charset="0"/>
+                  <a:cs typeface="Times" charset="0"/>
+                </a:endParaRPr>
+              </a:p>
+              <a:p>
+                <a:endParaRPr lang="en-US" dirty="0">
+                  <a:latin typeface="Times" charset="0"/>
+                  <a:ea typeface="Times" charset="0"/>
+                  <a:cs typeface="Times" charset="0"/>
+                </a:endParaRPr>
+              </a:p>
+            </p:txBody>
+          </p:sp>
+        </mc:Choice>
+        <mc:Fallback>
+          <p:sp>
+            <p:nvSpPr>
+              <p:cNvPr id="78" name="TextBox 77">
+                <a:extLst>
+                  <a:ext uri="{FF2B5EF4-FFF2-40B4-BE49-F238E27FC236}">
+                    <a16:creationId xmlns:a16="http://schemas.microsoft.com/office/drawing/2014/main" id="{F1B99312-9B22-494A-BD8B-A26CAB6EAD46}"/>
+                  </a:ext>
+                </a:extLst>
+              </p:cNvPr>
+              <p:cNvSpPr txBox="1">
+                <a:spLocks noRot="1" noChangeAspect="1" noMove="1" noResize="1" noEditPoints="1" noAdjustHandles="1" noChangeArrowheads="1" noChangeShapeType="1" noTextEdit="1"/>
+              </p:cNvSpPr>
+              <p:nvPr/>
+            </p:nvSpPr>
+            <p:spPr>
+              <a:xfrm>
+                <a:off x="117206" y="9237876"/>
+                <a:ext cx="1020894" cy="570926"/>
+              </a:xfrm>
+              <a:prstGeom prst="rect">
+                <a:avLst/>
+              </a:prstGeom>
+              <a:blipFill>
+                <a:blip r:embed="rId14"/>
+                <a:stretch>
+                  <a:fillRect l="-2439"/>
+                </a:stretch>
+              </a:blipFill>
+            </p:spPr>
+            <p:txBody>
+              <a:bodyPr/>
+              <a:lstStyle/>
+              <a:p>
+                <a:r>
+                  <a:rPr lang="en-US">
+                    <a:noFill/>
+                  </a:rPr>
+                  <a:t> </a:t>
+                </a:r>
+              </a:p>
+            </p:txBody>
+          </p:sp>
+        </mc:Fallback>
+      </mc:AlternateContent>
+      <mc:AlternateContent xmlns:mc="http://schemas.openxmlformats.org/markup-compatibility/2006">
+        <mc:Choice xmlns:a14="http://schemas.microsoft.com/office/drawing/2010/main" Requires="a14">
+          <p:sp>
+            <p:nvSpPr>
+              <p:cNvPr id="79" name="TextBox 78">
+                <a:extLst>
+                  <a:ext uri="{FF2B5EF4-FFF2-40B4-BE49-F238E27FC236}">
+                    <a16:creationId xmlns:a16="http://schemas.microsoft.com/office/drawing/2014/main" id="{F9D2CD06-D004-B54C-A4F5-982850EDB60B}"/>
+                  </a:ext>
+                </a:extLst>
+              </p:cNvPr>
+              <p:cNvSpPr txBox="1"/>
+              <p:nvPr/>
+            </p:nvSpPr>
+            <p:spPr>
+              <a:xfrm>
+                <a:off x="147277" y="11421969"/>
                 <a:ext cx="697275" cy="570926"/>
               </a:xfrm>
               <a:prstGeom prst="rect">
@@ -3388,10 +3712,16 @@
             </p:txBody>
           </p:sp>
         </mc:Choice>
-        <mc:Fallback xmlns="">
+        <mc:Fallback>
           <p:sp>
             <p:nvSpPr>
-              <p:cNvPr id="54" name="TextBox 53"/>
+              <p:cNvPr id="79" name="TextBox 78">
+                <a:extLst>
+                  <a:ext uri="{FF2B5EF4-FFF2-40B4-BE49-F238E27FC236}">
+                    <a16:creationId xmlns:a16="http://schemas.microsoft.com/office/drawing/2014/main" id="{F9D2CD06-D004-B54C-A4F5-982850EDB60B}"/>
+                  </a:ext>
+                </a:extLst>
+              </p:cNvPr>
               <p:cNvSpPr txBox="1">
                 <a:spLocks noRot="1" noChangeAspect="1" noMove="1" noResize="1" noEditPoints="1" noAdjustHandles="1" noChangeArrowheads="1" noChangeShapeType="1" noTextEdit="1"/>
               </p:cNvSpPr>
@@ -3399,16 +3729,16 @@
             </p:nvSpPr>
             <p:spPr>
               <a:xfrm>
-                <a:off x="191680" y="9553291"/>
+                <a:off x="147277" y="11421969"/>
                 <a:ext cx="697275" cy="570926"/>
               </a:xfrm>
               <a:prstGeom prst="rect">
                 <a:avLst/>
               </a:prstGeom>
-              <a:blipFill rotWithShape="0">
-                <a:blip r:embed="rId10"/>
+              <a:blipFill>
+                <a:blip r:embed="rId15"/>
                 <a:stretch>
-                  <a:fillRect l="-3478" t="-1064"/>
+                  <a:fillRect l="-5455"/>
                 </a:stretch>
               </a:blipFill>
             </p:spPr>
@@ -3427,366 +3757,6 @@
           </p:sp>
         </mc:Fallback>
       </mc:AlternateContent>
-      <p:pic>
-        <p:nvPicPr>
-          <p:cNvPr id="2" name="Picture 1"/>
-          <p:cNvPicPr>
-            <a:picLocks noChangeAspect="1"/>
-          </p:cNvPicPr>
-          <p:nvPr/>
-        </p:nvPicPr>
-        <p:blipFill>
-          <a:blip r:embed="rId11">
-            <a:extLst>
-              <a:ext uri="{28A0092B-C50C-407E-A947-70E740481C1C}">
-                <a14:useLocalDpi xmlns:a14="http://schemas.microsoft.com/office/drawing/2010/main" val="0"/>
-              </a:ext>
-            </a:extLst>
-          </a:blip>
-          <a:stretch>
-            <a:fillRect/>
-          </a:stretch>
-        </p:blipFill>
-        <p:spPr>
-          <a:xfrm>
-            <a:off x="2171037" y="8588031"/>
-            <a:ext cx="2363781" cy="2363781"/>
-          </a:xfrm>
-          <a:prstGeom prst="rect">
-            <a:avLst/>
-          </a:prstGeom>
-        </p:spPr>
-      </p:pic>
-      <p:pic>
-        <p:nvPicPr>
-          <p:cNvPr id="3" name="Picture 2"/>
-          <p:cNvPicPr>
-            <a:picLocks noChangeAspect="1"/>
-          </p:cNvPicPr>
-          <p:nvPr/>
-        </p:nvPicPr>
-        <p:blipFill>
-          <a:blip r:embed="rId12">
-            <a:extLst>
-              <a:ext uri="{28A0092B-C50C-407E-A947-70E740481C1C}">
-                <a14:useLocalDpi xmlns:a14="http://schemas.microsoft.com/office/drawing/2010/main" val="0"/>
-              </a:ext>
-            </a:extLst>
-          </a:blip>
-          <a:stretch>
-            <a:fillRect/>
-          </a:stretch>
-        </p:blipFill>
-        <p:spPr>
-          <a:xfrm>
-            <a:off x="774976" y="9060286"/>
-            <a:ext cx="1302043" cy="1296685"/>
-          </a:xfrm>
-          <a:prstGeom prst="rect">
-            <a:avLst/>
-          </a:prstGeom>
-        </p:spPr>
-      </p:pic>
-      <p:pic>
-        <p:nvPicPr>
-          <p:cNvPr id="5" name="Picture 4">
-            <a:extLst>
-              <a:ext uri="{FF2B5EF4-FFF2-40B4-BE49-F238E27FC236}">
-                <a16:creationId xmlns:a16="http://schemas.microsoft.com/office/drawing/2014/main" id="{3BF12BDC-9BE8-A641-8A6E-4B435CFB8FE1}"/>
-              </a:ext>
-            </a:extLst>
-          </p:cNvPr>
-          <p:cNvPicPr>
-            <a:picLocks noChangeAspect="1"/>
-          </p:cNvPicPr>
-          <p:nvPr/>
-        </p:nvPicPr>
-        <p:blipFill>
-          <a:blip r:embed="rId13"/>
-          <a:stretch>
-            <a:fillRect/>
-          </a:stretch>
-        </p:blipFill>
-        <p:spPr>
-          <a:xfrm>
-            <a:off x="764593" y="8995446"/>
-            <a:ext cx="1350364" cy="1361525"/>
-          </a:xfrm>
-          <a:prstGeom prst="rect">
-            <a:avLst/>
-          </a:prstGeom>
-        </p:spPr>
-      </p:pic>
-      <p:pic>
-        <p:nvPicPr>
-          <p:cNvPr id="7" name="Picture 6">
-            <a:extLst>
-              <a:ext uri="{FF2B5EF4-FFF2-40B4-BE49-F238E27FC236}">
-                <a16:creationId xmlns:a16="http://schemas.microsoft.com/office/drawing/2014/main" id="{119E7DAC-B0BB-BE45-B98C-61293C7BA014}"/>
-              </a:ext>
-            </a:extLst>
-          </p:cNvPr>
-          <p:cNvPicPr>
-            <a:picLocks noChangeAspect="1"/>
-          </p:cNvPicPr>
-          <p:nvPr/>
-        </p:nvPicPr>
-        <p:blipFill>
-          <a:blip r:embed="rId14"/>
-          <a:stretch>
-            <a:fillRect/>
-          </a:stretch>
-        </p:blipFill>
-        <p:spPr>
-          <a:xfrm>
-            <a:off x="2171037" y="8588031"/>
-            <a:ext cx="2363781" cy="2363781"/>
-          </a:xfrm>
-          <a:prstGeom prst="rect">
-            <a:avLst/>
-          </a:prstGeom>
-        </p:spPr>
-      </p:pic>
-      <p:pic>
-        <p:nvPicPr>
-          <p:cNvPr id="9" name="Picture 8">
-            <a:extLst>
-              <a:ext uri="{FF2B5EF4-FFF2-40B4-BE49-F238E27FC236}">
-                <a16:creationId xmlns:a16="http://schemas.microsoft.com/office/drawing/2014/main" id="{E4C7FDC1-C3A4-8B4B-99C2-AC72858ABD36}"/>
-              </a:ext>
-            </a:extLst>
-          </p:cNvPr>
-          <p:cNvPicPr>
-            <a:picLocks noChangeAspect="1"/>
-          </p:cNvPicPr>
-          <p:nvPr/>
-        </p:nvPicPr>
-        <p:blipFill>
-          <a:blip r:embed="rId15"/>
-          <a:stretch>
-            <a:fillRect/>
-          </a:stretch>
-        </p:blipFill>
-        <p:spPr>
-          <a:xfrm>
-            <a:off x="687456" y="6867278"/>
-            <a:ext cx="1372938" cy="1214990"/>
-          </a:xfrm>
-          <a:prstGeom prst="rect">
-            <a:avLst/>
-          </a:prstGeom>
-        </p:spPr>
-      </p:pic>
-      <p:pic>
-        <p:nvPicPr>
-          <p:cNvPr id="11" name="Picture 10">
-            <a:extLst>
-              <a:ext uri="{FF2B5EF4-FFF2-40B4-BE49-F238E27FC236}">
-                <a16:creationId xmlns:a16="http://schemas.microsoft.com/office/drawing/2014/main" id="{F3A1CD31-4A60-234C-9256-62C304A8106D}"/>
-              </a:ext>
-            </a:extLst>
-          </p:cNvPr>
-          <p:cNvPicPr>
-            <a:picLocks noChangeAspect="1"/>
-          </p:cNvPicPr>
-          <p:nvPr/>
-        </p:nvPicPr>
-        <p:blipFill>
-          <a:blip r:embed="rId16"/>
-          <a:stretch>
-            <a:fillRect/>
-          </a:stretch>
-        </p:blipFill>
-        <p:spPr>
-          <a:xfrm>
-            <a:off x="2171037" y="6486691"/>
-            <a:ext cx="2363781" cy="2057755"/>
-          </a:xfrm>
-          <a:prstGeom prst="rect">
-            <a:avLst/>
-          </a:prstGeom>
-        </p:spPr>
-      </p:pic>
-      <p:pic>
-        <p:nvPicPr>
-          <p:cNvPr id="13" name="Picture 12">
-            <a:extLst>
-              <a:ext uri="{FF2B5EF4-FFF2-40B4-BE49-F238E27FC236}">
-                <a16:creationId xmlns:a16="http://schemas.microsoft.com/office/drawing/2014/main" id="{3873C6F2-49AC-184E-8255-B9D1260BC34B}"/>
-              </a:ext>
-            </a:extLst>
-          </p:cNvPr>
-          <p:cNvPicPr>
-            <a:picLocks noChangeAspect="1"/>
-          </p:cNvPicPr>
-          <p:nvPr/>
-        </p:nvPicPr>
-        <p:blipFill>
-          <a:blip r:embed="rId17"/>
-          <a:stretch>
-            <a:fillRect/>
-          </a:stretch>
-        </p:blipFill>
-        <p:spPr>
-          <a:xfrm>
-            <a:off x="764593" y="4684180"/>
-            <a:ext cx="1220699" cy="1279386"/>
-          </a:xfrm>
-          <a:prstGeom prst="rect">
-            <a:avLst/>
-          </a:prstGeom>
-        </p:spPr>
-      </p:pic>
-      <p:pic>
-        <p:nvPicPr>
-          <p:cNvPr id="15" name="Picture 14">
-            <a:extLst>
-              <a:ext uri="{FF2B5EF4-FFF2-40B4-BE49-F238E27FC236}">
-                <a16:creationId xmlns:a16="http://schemas.microsoft.com/office/drawing/2014/main" id="{DE3A87CB-A861-7A4E-9626-6AB3B91226D4}"/>
-              </a:ext>
-            </a:extLst>
-          </p:cNvPr>
-          <p:cNvPicPr>
-            <a:picLocks noChangeAspect="1"/>
-          </p:cNvPicPr>
-          <p:nvPr/>
-        </p:nvPicPr>
-        <p:blipFill>
-          <a:blip r:embed="rId18"/>
-          <a:stretch>
-            <a:fillRect/>
-          </a:stretch>
-        </p:blipFill>
-        <p:spPr>
-          <a:xfrm>
-            <a:off x="2364873" y="4224527"/>
-            <a:ext cx="1976108" cy="2063719"/>
-          </a:xfrm>
-          <a:prstGeom prst="rect">
-            <a:avLst/>
-          </a:prstGeom>
-        </p:spPr>
-      </p:pic>
-      <p:pic>
-        <p:nvPicPr>
-          <p:cNvPr id="17" name="Picture 16">
-            <a:extLst>
-              <a:ext uri="{FF2B5EF4-FFF2-40B4-BE49-F238E27FC236}">
-                <a16:creationId xmlns:a16="http://schemas.microsoft.com/office/drawing/2014/main" id="{10D8F50C-AE13-B843-87AD-B95B33048DCB}"/>
-              </a:ext>
-            </a:extLst>
-          </p:cNvPr>
-          <p:cNvPicPr>
-            <a:picLocks noChangeAspect="1"/>
-          </p:cNvPicPr>
-          <p:nvPr/>
-        </p:nvPicPr>
-        <p:blipFill>
-          <a:blip r:embed="rId19"/>
-          <a:stretch>
-            <a:fillRect/>
-          </a:stretch>
-        </p:blipFill>
-        <p:spPr>
-          <a:xfrm>
-            <a:off x="684656" y="2472654"/>
-            <a:ext cx="1300636" cy="1311946"/>
-          </a:xfrm>
-          <a:prstGeom prst="rect">
-            <a:avLst/>
-          </a:prstGeom>
-        </p:spPr>
-      </p:pic>
-      <p:pic>
-        <p:nvPicPr>
-          <p:cNvPr id="19" name="Picture 18">
-            <a:extLst>
-              <a:ext uri="{FF2B5EF4-FFF2-40B4-BE49-F238E27FC236}">
-                <a16:creationId xmlns:a16="http://schemas.microsoft.com/office/drawing/2014/main" id="{5B400B47-7A3E-464E-BE16-094491EE788E}"/>
-              </a:ext>
-            </a:extLst>
-          </p:cNvPr>
-          <p:cNvPicPr>
-            <a:picLocks noChangeAspect="1"/>
-          </p:cNvPicPr>
-          <p:nvPr/>
-        </p:nvPicPr>
-        <p:blipFill>
-          <a:blip r:embed="rId20"/>
-          <a:stretch>
-            <a:fillRect/>
-          </a:stretch>
-        </p:blipFill>
-        <p:spPr>
-          <a:xfrm>
-            <a:off x="2384669" y="2169243"/>
-            <a:ext cx="1959159" cy="1959159"/>
-          </a:xfrm>
-          <a:prstGeom prst="rect">
-            <a:avLst/>
-          </a:prstGeom>
-        </p:spPr>
-      </p:pic>
-      <p:pic>
-        <p:nvPicPr>
-          <p:cNvPr id="21" name="Picture 20">
-            <a:extLst>
-              <a:ext uri="{FF2B5EF4-FFF2-40B4-BE49-F238E27FC236}">
-                <a16:creationId xmlns:a16="http://schemas.microsoft.com/office/drawing/2014/main" id="{C34FC0CD-1317-2941-B5D0-C4083FAB7DEA}"/>
-              </a:ext>
-            </a:extLst>
-          </p:cNvPr>
-          <p:cNvPicPr>
-            <a:picLocks noChangeAspect="1"/>
-          </p:cNvPicPr>
-          <p:nvPr/>
-        </p:nvPicPr>
-        <p:blipFill>
-          <a:blip r:embed="rId21"/>
-          <a:stretch>
-            <a:fillRect/>
-          </a:stretch>
-        </p:blipFill>
-        <p:spPr>
-          <a:xfrm>
-            <a:off x="888955" y="381663"/>
-            <a:ext cx="1143000" cy="1295400"/>
-          </a:xfrm>
-          <a:prstGeom prst="rect">
-            <a:avLst/>
-          </a:prstGeom>
-        </p:spPr>
-      </p:pic>
-      <p:pic>
-        <p:nvPicPr>
-          <p:cNvPr id="23" name="Picture 22">
-            <a:extLst>
-              <a:ext uri="{FF2B5EF4-FFF2-40B4-BE49-F238E27FC236}">
-                <a16:creationId xmlns:a16="http://schemas.microsoft.com/office/drawing/2014/main" id="{BB8DB4D8-EDD2-234F-9144-1F78EB9ECAB8}"/>
-              </a:ext>
-            </a:extLst>
-          </p:cNvPr>
-          <p:cNvPicPr>
-            <a:picLocks noChangeAspect="1"/>
-          </p:cNvPicPr>
-          <p:nvPr/>
-        </p:nvPicPr>
-        <p:blipFill>
-          <a:blip r:embed="rId22"/>
-          <a:stretch>
-            <a:fillRect/>
-          </a:stretch>
-        </p:blipFill>
-        <p:spPr>
-          <a:xfrm>
-            <a:off x="2505095" y="-5367"/>
-            <a:ext cx="1717522" cy="1993552"/>
-          </a:xfrm>
-          <a:prstGeom prst="rect">
-            <a:avLst/>
-          </a:prstGeom>
-        </p:spPr>
-      </p:pic>
     </p:spTree>
     <p:extLst>
       <p:ext uri="{BB962C8B-B14F-4D97-AF65-F5344CB8AC3E}">
